--- a/Session11Examples/Session 11.pptx
+++ b/Session11Examples/Session 11.pptx
@@ -278,7 +278,7 @@
           <a:p>
             <a:fld id="{72EA7947-E287-4738-8C82-07CE4F01EF03}" type="datetime2">
               <a:rPr lang="en-US" smtClean="0"/>
-              <a:t>Friday, November 20, 2020</a:t>
+              <a:t>Tuesday, December 1, 2020</a:t>
             </a:fld>
             <a:endParaRPr lang="en-US" dirty="0"/>
           </a:p>
@@ -1314,7 +1314,7 @@
           <a:p>
             <a:fld id="{EE2EBD84-71F4-4271-8C46-0D47C0A9B12E}" type="datetime2">
               <a:rPr lang="en-US" smtClean="0"/>
-              <a:t>Friday, November 20, 2020</a:t>
+              <a:t>Tuesday, December 1, 2020</a:t>
             </a:fld>
             <a:endParaRPr lang="en-US"/>
           </a:p>
@@ -1525,7 +1525,7 @@
           <a:p>
             <a:fld id="{ABAE0CE1-F450-4107-B2CB-17B18F8A3F4A}" type="datetime2">
               <a:rPr lang="en-US" smtClean="0"/>
-              <a:t>Friday, November 20, 2020</a:t>
+              <a:t>Tuesday, December 1, 2020</a:t>
             </a:fld>
             <a:endParaRPr lang="en-US"/>
           </a:p>
@@ -2190,7 +2190,7 @@
           <a:p>
             <a:fld id="{6FE8C025-CD7A-4966-867E-81CF82B15267}" type="datetime2">
               <a:rPr lang="en-US" smtClean="0"/>
-              <a:t>Friday, November 20, 2020</a:t>
+              <a:t>Tuesday, December 1, 2020</a:t>
             </a:fld>
             <a:endParaRPr lang="en-US"/>
           </a:p>
@@ -2810,7 +2810,7 @@
           <a:p>
             <a:fld id="{FE809929-0719-4517-94D6-FDF7F99E70F6}" type="datetime2">
               <a:rPr lang="en-US" smtClean="0"/>
-              <a:t>Friday, November 20, 2020</a:t>
+              <a:t>Tuesday, December 1, 2020</a:t>
             </a:fld>
             <a:endParaRPr lang="en-US"/>
           </a:p>
@@ -3928,7 +3928,7 @@
           <a:p>
             <a:fld id="{20E95673-5512-4AAA-9AEB-E00C61EC65D5}" type="datetime2">
               <a:rPr lang="en-US" smtClean="0"/>
-              <a:t>Friday, November 20, 2020</a:t>
+              <a:t>Tuesday, December 1, 2020</a:t>
             </a:fld>
             <a:endParaRPr lang="en-US"/>
           </a:p>
@@ -4475,7 +4475,7 @@
           <a:p>
             <a:fld id="{C13138FA-2E87-4873-8BBA-13E447C9A99A}" type="datetime2">
               <a:rPr lang="en-US" smtClean="0"/>
-              <a:t>Friday, November 20, 2020</a:t>
+              <a:t>Tuesday, December 1, 2020</a:t>
             </a:fld>
             <a:endParaRPr lang="en-US"/>
           </a:p>
@@ -4636,7 +4636,7 @@
           <a:p>
             <a:fld id="{D75BB40A-97BD-4BFB-B639-0BFF95FDE8B7}" type="datetime2">
               <a:rPr lang="en-US" smtClean="0"/>
-              <a:t>Friday, November 20, 2020</a:t>
+              <a:t>Tuesday, December 1, 2020</a:t>
             </a:fld>
             <a:endParaRPr lang="en-US"/>
           </a:p>
@@ -5671,7 +5671,7 @@
           <a:p>
             <a:fld id="{9EE9E0E3-ECF6-4CFE-8698-AEFEBCECC3C0}" type="datetime2">
               <a:rPr lang="en-US" smtClean="0"/>
-              <a:t>Friday, November 20, 2020</a:t>
+              <a:t>Tuesday, December 1, 2020</a:t>
             </a:fld>
             <a:endParaRPr lang="en-US"/>
           </a:p>
@@ -6317,7 +6317,7 @@
           <a:p>
             <a:fld id="{251462FC-960E-4740-921F-B36862979F21}" type="datetime2">
               <a:rPr lang="en-US" smtClean="0"/>
-              <a:t>Friday, November 20, 2020</a:t>
+              <a:t>Tuesday, December 1, 2020</a:t>
             </a:fld>
             <a:endParaRPr lang="en-US"/>
           </a:p>
@@ -7081,7 +7081,7 @@
           <a:p>
             <a:fld id="{E50BC9E2-CB44-4C05-9BB5-496C18A241E0}" type="datetime2">
               <a:rPr lang="en-US" smtClean="0"/>
-              <a:t>Friday, November 20, 2020</a:t>
+              <a:t>Tuesday, December 1, 2020</a:t>
             </a:fld>
             <a:endParaRPr lang="en-US"/>
           </a:p>
@@ -7334,7 +7334,7 @@
           <a:p>
             <a:fld id="{246CB39B-5F4C-4A7E-9BE3-AAFD45576D16}" type="datetime2">
               <a:rPr lang="en-US" smtClean="0"/>
-              <a:t>Friday, November 20, 2020</a:t>
+              <a:t>Tuesday, December 1, 2020</a:t>
             </a:fld>
             <a:endParaRPr lang="en-US" dirty="0"/>
           </a:p>
@@ -7900,7 +7900,7 @@
           <a:p>
             <a:r>
               <a:rPr lang="en-AU" sz="4800" dirty="0"/>
-              <a:t>Session 10</a:t>
+              <a:t>Session 11</a:t>
             </a:r>
           </a:p>
         </p:txBody>
@@ -7938,22 +7938,15 @@
               <a:buChar char="-"/>
             </a:pPr>
             <a:r>
-              <a:rPr lang="en-AU" sz="2000" dirty="0" err="1">
+              <a:rPr lang="en-AU" sz="2000" dirty="0">
                 <a:solidFill>
                   <a:schemeClr val="tx1">
                     <a:alpha val="60000"/>
                   </a:schemeClr>
                 </a:solidFill>
               </a:rPr>
-              <a:t>Tilemaps</a:t>
+              <a:t>Game Design</a:t>
             </a:r>
-            <a:endParaRPr lang="en-AU" sz="2000" dirty="0">
-              <a:solidFill>
-                <a:schemeClr val="tx1">
-                  <a:alpha val="60000"/>
-                </a:schemeClr>
-              </a:solidFill>
-            </a:endParaRPr>
           </a:p>
           <a:p>
             <a:pPr marL="342900" indent="-342900">
@@ -7968,7 +7961,7 @@
                   </a:schemeClr>
                 </a:solidFill>
               </a:rPr>
-              <a:t>Character Controllers</a:t>
+              <a:t>Designing Scripts/Algorithms</a:t>
             </a:r>
           </a:p>
           <a:p>
@@ -7984,7 +7977,7 @@
                   </a:schemeClr>
                 </a:solidFill>
               </a:rPr>
-              <a:t>Making 2D Terrain</a:t>
+              <a:t>Making improvements</a:t>
             </a:r>
           </a:p>
         </p:txBody>
